--- a/VEX Camp Day 1.pptx
+++ b/VEX Camp Day 1.pptx
@@ -167,6 +167,126 @@
 <p188:authorLst xmlns:a="http://schemas.openxmlformats.org/drawingml/2006/main" xmlns:r="http://schemas.openxmlformats.org/officeDocument/2006/relationships" xmlns:p188="http://schemas.microsoft.com/office/powerpoint/2018/8/main">
   <p188:author id="{00000000-0000-0000-0000-000000000000}" name="Author" initials="A" userId="Author" providerId="AD"/>
 </p188:authorLst>
+</file>
+
+<file path=ppt/revisionInfo.xml><?xml version="1.0" encoding="utf-8"?>
+<p1510:revInfo xmlns:a="http://schemas.openxmlformats.org/drawingml/2006/main" xmlns:r="http://schemas.openxmlformats.org/officeDocument/2006/relationships" xmlns:p1510="http://schemas.microsoft.com/office/powerpoint/2015/10/main">
+  <p1510:revLst>
+    <p1510:client id="{99BFC84B-B7F9-462A-A1BE-C1255F69D4F3}" v="346" dt="2023-06-16T19:44:53.936"/>
+  </p1510:revLst>
+</p1510:revInfo>
+</file>
+
+<file path=ppt/changesInfos/changesInfo1.xml><?xml version="1.0" encoding="utf-8"?>
+<pc:chgInfo xmlns:a="http://schemas.openxmlformats.org/drawingml/2006/main" xmlns:r="http://schemas.openxmlformats.org/officeDocument/2006/relationships" xmlns:ac="http://schemas.microsoft.com/office/drawing/2013/main/command" xmlns:pc="http://schemas.microsoft.com/office/powerpoint/2013/main/command">
+  <pc:docChgLst>
+    <pc:chgData name="Davis S." userId="cc0e14a16040ea79" providerId="Windows Live" clId="Web-{99BFC84B-B7F9-462A-A1BE-C1255F69D4F3}"/>
+    <pc:docChg chg="modSld">
+      <pc:chgData name="Davis S." userId="cc0e14a16040ea79" providerId="Windows Live" clId="Web-{99BFC84B-B7F9-462A-A1BE-C1255F69D4F3}" dt="2023-06-16T19:44:50.764" v="172" actId="20577"/>
+      <pc:docMkLst>
+        <pc:docMk/>
+      </pc:docMkLst>
+      <pc:sldChg chg="modSp">
+        <pc:chgData name="Davis S." userId="cc0e14a16040ea79" providerId="Windows Live" clId="Web-{99BFC84B-B7F9-462A-A1BE-C1255F69D4F3}" dt="2023-06-16T19:37:12.049" v="14" actId="20577"/>
+        <pc:sldMkLst>
+          <pc:docMk/>
+          <pc:sldMk cId="4272979029" sldId="3828"/>
+        </pc:sldMkLst>
+        <pc:spChg chg="mod">
+          <ac:chgData name="Davis S." userId="cc0e14a16040ea79" providerId="Windows Live" clId="Web-{99BFC84B-B7F9-462A-A1BE-C1255F69D4F3}" dt="2023-06-16T19:37:12.049" v="14" actId="20577"/>
+          <ac:spMkLst>
+            <pc:docMk/>
+            <pc:sldMk cId="4272979029" sldId="3828"/>
+            <ac:spMk id="19" creationId="{6DE3BA30-0FBA-9B18-AAE1-B06B23935367}"/>
+          </ac:spMkLst>
+        </pc:spChg>
+      </pc:sldChg>
+      <pc:sldChg chg="modSp">
+        <pc:chgData name="Davis S." userId="cc0e14a16040ea79" providerId="Windows Live" clId="Web-{99BFC84B-B7F9-462A-A1BE-C1255F69D4F3}" dt="2023-06-16T19:39:59.647" v="99" actId="20577"/>
+        <pc:sldMkLst>
+          <pc:docMk/>
+          <pc:sldMk cId="3540331728" sldId="3834"/>
+        </pc:sldMkLst>
+        <pc:spChg chg="mod">
+          <ac:chgData name="Davis S." userId="cc0e14a16040ea79" providerId="Windows Live" clId="Web-{99BFC84B-B7F9-462A-A1BE-C1255F69D4F3}" dt="2023-06-16T19:38:45.239" v="16" actId="20577"/>
+          <ac:spMkLst>
+            <pc:docMk/>
+            <pc:sldMk cId="3540331728" sldId="3834"/>
+            <ac:spMk id="7" creationId="{9564DCF9-C41F-E532-3412-095398931F91}"/>
+          </ac:spMkLst>
+        </pc:spChg>
+        <pc:spChg chg="mod">
+          <ac:chgData name="Davis S." userId="cc0e14a16040ea79" providerId="Windows Live" clId="Web-{99BFC84B-B7F9-462A-A1BE-C1255F69D4F3}" dt="2023-06-16T19:39:59.647" v="99" actId="20577"/>
+          <ac:spMkLst>
+            <pc:docMk/>
+            <pc:sldMk cId="3540331728" sldId="3834"/>
+            <ac:spMk id="11" creationId="{26B94260-00ED-828E-F567-3C3BA47D2161}"/>
+          </ac:spMkLst>
+        </pc:spChg>
+      </pc:sldChg>
+      <pc:sldChg chg="modSp">
+        <pc:chgData name="Davis S." userId="cc0e14a16040ea79" providerId="Windows Live" clId="Web-{99BFC84B-B7F9-462A-A1BE-C1255F69D4F3}" dt="2023-06-16T19:40:48.820" v="133" actId="20577"/>
+        <pc:sldMkLst>
+          <pc:docMk/>
+          <pc:sldMk cId="2143658323" sldId="3835"/>
+        </pc:sldMkLst>
+        <pc:spChg chg="mod">
+          <ac:chgData name="Davis S." userId="cc0e14a16040ea79" providerId="Windows Live" clId="Web-{99BFC84B-B7F9-462A-A1BE-C1255F69D4F3}" dt="2023-06-16T19:40:48.820" v="133" actId="20577"/>
+          <ac:spMkLst>
+            <pc:docMk/>
+            <pc:sldMk cId="2143658323" sldId="3835"/>
+            <ac:spMk id="6" creationId="{D5317351-DF18-16B9-9666-19397EE93B22}"/>
+          </ac:spMkLst>
+        </pc:spChg>
+      </pc:sldChg>
+      <pc:sldChg chg="modSp">
+        <pc:chgData name="Davis S." userId="cc0e14a16040ea79" providerId="Windows Live" clId="Web-{99BFC84B-B7F9-462A-A1BE-C1255F69D4F3}" dt="2023-06-16T19:42:36.432" v="150" actId="20577"/>
+        <pc:sldMkLst>
+          <pc:docMk/>
+          <pc:sldMk cId="232851920" sldId="3840"/>
+        </pc:sldMkLst>
+        <pc:spChg chg="mod">
+          <ac:chgData name="Davis S." userId="cc0e14a16040ea79" providerId="Windows Live" clId="Web-{99BFC84B-B7F9-462A-A1BE-C1255F69D4F3}" dt="2023-06-16T19:42:36.432" v="150" actId="20577"/>
+          <ac:spMkLst>
+            <pc:docMk/>
+            <pc:sldMk cId="232851920" sldId="3840"/>
+            <ac:spMk id="6" creationId="{E8F148DE-9692-9923-D13D-B73EABB3AEAF}"/>
+          </ac:spMkLst>
+        </pc:spChg>
+      </pc:sldChg>
+      <pc:sldChg chg="modSp">
+        <pc:chgData name="Davis S." userId="cc0e14a16040ea79" providerId="Windows Live" clId="Web-{99BFC84B-B7F9-462A-A1BE-C1255F69D4F3}" dt="2023-06-16T19:43:44.481" v="157" actId="20577"/>
+        <pc:sldMkLst>
+          <pc:docMk/>
+          <pc:sldMk cId="1345599847" sldId="3845"/>
+        </pc:sldMkLst>
+        <pc:spChg chg="mod">
+          <ac:chgData name="Davis S." userId="cc0e14a16040ea79" providerId="Windows Live" clId="Web-{99BFC84B-B7F9-462A-A1BE-C1255F69D4F3}" dt="2023-06-16T19:43:44.481" v="157" actId="20577"/>
+          <ac:spMkLst>
+            <pc:docMk/>
+            <pc:sldMk cId="1345599847" sldId="3845"/>
+            <ac:spMk id="10" creationId="{EFE5A3E7-D934-D46E-26BD-FFEC26786C60}"/>
+          </ac:spMkLst>
+        </pc:spChg>
+      </pc:sldChg>
+      <pc:sldChg chg="modSp">
+        <pc:chgData name="Davis S." userId="cc0e14a16040ea79" providerId="Windows Live" clId="Web-{99BFC84B-B7F9-462A-A1BE-C1255F69D4F3}" dt="2023-06-16T19:44:50.764" v="172" actId="20577"/>
+        <pc:sldMkLst>
+          <pc:docMk/>
+          <pc:sldMk cId="2391007424" sldId="3851"/>
+        </pc:sldMkLst>
+        <pc:spChg chg="mod">
+          <ac:chgData name="Davis S." userId="cc0e14a16040ea79" providerId="Windows Live" clId="Web-{99BFC84B-B7F9-462A-A1BE-C1255F69D4F3}" dt="2023-06-16T19:44:50.764" v="172" actId="20577"/>
+          <ac:spMkLst>
+            <pc:docMk/>
+            <pc:sldMk cId="2391007424" sldId="3851"/>
+            <ac:spMk id="3" creationId="{838444BE-EBF7-010A-D1D3-A3495B90A408}"/>
+          </ac:spMkLst>
+        </pc:spChg>
+      </pc:sldChg>
+    </pc:docChg>
+  </pc:docChgLst>
+</pc:chgInfo>
 </file>
 
 <file path=ppt/ink/ink1.xml><?xml version="1.0" encoding="utf-8"?>
@@ -1257,7 +1377,7 @@
           <a:p>
             <a:fld id="{6C7BA811-8917-4F1D-B22F-E96045BFA4E0}" type="datetimeFigureOut">
               <a:rPr lang="en-US" smtClean="0"/>
-              <a:t>6/11/2023</a:t>
+              <a:t>6/16/2023</a:t>
             </a:fld>
             <a:endParaRPr lang="en-US" dirty="0"/>
           </a:p>
@@ -13384,14 +13504,14 @@
           <a:noFill/>
         </p:spPr>
         <p:txBody>
-          <a:bodyPr wrap="none" rtlCol="0">
+          <a:bodyPr wrap="none" lIns="91440" tIns="45720" rIns="91440" bIns="45720" rtlCol="0" anchor="t">
             <a:spAutoFit/>
           </a:bodyPr>
           <a:lstStyle/>
           <a:p>
             <a:r>
               <a:rPr lang="en-US" dirty="0"/>
-              <a:t>Functions don’t do anything until they’re “called”, or until we use them.</a:t>
+              <a:t>Functions don’t do anything until they’re called, or until we use them.</a:t>
             </a:r>
           </a:p>
         </p:txBody>
@@ -13486,7 +13606,7 @@
         <p:spPr>
           <a:xfrm>
             <a:off x="2166884" y="5846544"/>
-            <a:ext cx="8672188" cy="646331"/>
+            <a:ext cx="8672188" cy="923330"/>
           </a:xfrm>
           <a:prstGeom prst="rect">
             <a:avLst/>
@@ -13494,14 +13614,14 @@
           <a:noFill/>
         </p:spPr>
         <p:txBody>
-          <a:bodyPr wrap="square" rtlCol="0">
+          <a:bodyPr wrap="square" lIns="91440" tIns="45720" rIns="91440" bIns="45720" rtlCol="0" anchor="t">
             <a:spAutoFit/>
           </a:bodyPr>
           <a:lstStyle/>
           <a:p>
             <a:r>
               <a:rPr lang="en-US" dirty="0"/>
-              <a:t>The green squiggle is a “suggestion” telling us that we aren’t using the variable “result” anywhere and we can safely delete it.</a:t>
+              <a:t>The green squiggle is a “suggestion” telling us that we aren’t using the variable “result” anywhere and we can safely delete it. This exercise was simply a review and an intro to functions, so the variable can remain unused!</a:t>
             </a:r>
           </a:p>
         </p:txBody>
@@ -13711,14 +13831,14 @@
           <a:noFill/>
         </p:spPr>
         <p:txBody>
-          <a:bodyPr wrap="square" rtlCol="0">
+          <a:bodyPr wrap="square" lIns="91440" tIns="45720" rIns="91440" bIns="45720" rtlCol="0" anchor="t">
             <a:spAutoFit/>
           </a:bodyPr>
           <a:lstStyle/>
           <a:p>
             <a:r>
               <a:rPr lang="en-US" dirty="0"/>
-              <a:t>When we get the red “squiggles” we saw a bit ago, or when our code simply isn’t behaving like we would expect, we have a bug. Naturally, we want to remove that bug, which we do through a process called “debugging”.</a:t>
+              <a:t>When our code isn’t behaving like we would expect (even if we have no red squiggles like we saw earlier), we have a bug. Naturally, we want to remove that bug, which we do through a process called “debugging”.</a:t>
             </a:r>
           </a:p>
         </p:txBody>
@@ -14209,8 +14329,8 @@
           </a:prstGeom>
         </p:spPr>
       </p:pic>
-      <mc:AlternateContent xmlns:mc="http://schemas.openxmlformats.org/markup-compatibility/2006">
-        <mc:Choice xmlns:p14="http://schemas.microsoft.com/office/powerpoint/2010/main" Requires="p14">
+      <mc:AlternateContent xmlns:mc="http://schemas.openxmlformats.org/markup-compatibility/2006" xmlns:p14="http://schemas.microsoft.com/office/powerpoint/2010/main">
+        <mc:Choice Requires="p14">
           <p:contentPart p14:bwMode="auto" r:id="rId3">
             <p14:nvContentPartPr>
               <p14:cNvPr id="14" name="Ink 13">
@@ -14229,7 +14349,7 @@
             </p14:xfrm>
           </p:contentPart>
         </mc:Choice>
-        <mc:Fallback>
+        <mc:Fallback xmlns="">
           <p:pic>
             <p:nvPicPr>
               <p:cNvPr id="14" name="Ink 13">
@@ -14260,8 +14380,8 @@
           </p:pic>
         </mc:Fallback>
       </mc:AlternateContent>
-      <mc:AlternateContent xmlns:mc="http://schemas.openxmlformats.org/markup-compatibility/2006">
-        <mc:Choice xmlns:p14="http://schemas.microsoft.com/office/powerpoint/2010/main" Requires="p14">
+      <mc:AlternateContent xmlns:mc="http://schemas.openxmlformats.org/markup-compatibility/2006" xmlns:p14="http://schemas.microsoft.com/office/powerpoint/2010/main">
+        <mc:Choice Requires="p14">
           <p:contentPart p14:bwMode="auto" r:id="rId5">
             <p14:nvContentPartPr>
               <p14:cNvPr id="20" name="Ink 19">
@@ -14280,7 +14400,7 @@
             </p14:xfrm>
           </p:contentPart>
         </mc:Choice>
-        <mc:Fallback>
+        <mc:Fallback xmlns="">
           <p:pic>
             <p:nvPicPr>
               <p:cNvPr id="20" name="Ink 19">
@@ -14341,8 +14461,8 @@
           </a:prstGeom>
         </p:spPr>
       </p:pic>
-      <mc:AlternateContent xmlns:mc="http://schemas.openxmlformats.org/markup-compatibility/2006">
-        <mc:Choice xmlns:p14="http://schemas.microsoft.com/office/powerpoint/2010/main" Requires="p14">
+      <mc:AlternateContent xmlns:mc="http://schemas.openxmlformats.org/markup-compatibility/2006" xmlns:p14="http://schemas.microsoft.com/office/powerpoint/2010/main">
+        <mc:Choice Requires="p14">
           <p:contentPart p14:bwMode="auto" r:id="rId8">
             <p14:nvContentPartPr>
               <p14:cNvPr id="32" name="Ink 31">
@@ -14361,7 +14481,7 @@
             </p14:xfrm>
           </p:contentPart>
         </mc:Choice>
-        <mc:Fallback>
+        <mc:Fallback xmlns="">
           <p:pic>
             <p:nvPicPr>
               <p:cNvPr id="32" name="Ink 31">
@@ -14711,8 +14831,8 @@
           </a:prstGeom>
         </p:spPr>
       </p:pic>
-      <mc:AlternateContent xmlns:mc="http://schemas.openxmlformats.org/markup-compatibility/2006">
-        <mc:Choice xmlns:p14="http://schemas.microsoft.com/office/powerpoint/2010/main" Requires="p14">
+      <mc:AlternateContent xmlns:mc="http://schemas.openxmlformats.org/markup-compatibility/2006" xmlns:p14="http://schemas.microsoft.com/office/powerpoint/2010/main">
+        <mc:Choice Requires="p14">
           <p:contentPart p14:bwMode="auto" r:id="rId4">
             <p14:nvContentPartPr>
               <p14:cNvPr id="9" name="Ink 8">
@@ -14731,7 +14851,7 @@
             </p14:xfrm>
           </p:contentPart>
         </mc:Choice>
-        <mc:Fallback>
+        <mc:Fallback xmlns="">
           <p:pic>
             <p:nvPicPr>
               <p:cNvPr id="9" name="Ink 8">
@@ -14762,8 +14882,8 @@
           </p:pic>
         </mc:Fallback>
       </mc:AlternateContent>
-      <mc:AlternateContent xmlns:mc="http://schemas.openxmlformats.org/markup-compatibility/2006">
-        <mc:Choice xmlns:p14="http://schemas.microsoft.com/office/powerpoint/2010/main" Requires="p14">
+      <mc:AlternateContent xmlns:mc="http://schemas.openxmlformats.org/markup-compatibility/2006" xmlns:p14="http://schemas.microsoft.com/office/powerpoint/2010/main">
+        <mc:Choice Requires="p14">
           <p:contentPart p14:bwMode="auto" r:id="rId6">
             <p14:nvContentPartPr>
               <p14:cNvPr id="17" name="Ink 16">
@@ -14782,7 +14902,7 @@
             </p14:xfrm>
           </p:contentPart>
         </mc:Choice>
-        <mc:Fallback>
+        <mc:Fallback xmlns="">
           <p:pic>
             <p:nvPicPr>
               <p:cNvPr id="17" name="Ink 16">
@@ -14813,8 +14933,8 @@
           </p:pic>
         </mc:Fallback>
       </mc:AlternateContent>
-      <mc:AlternateContent xmlns:mc="http://schemas.openxmlformats.org/markup-compatibility/2006">
-        <mc:Choice xmlns:p14="http://schemas.microsoft.com/office/powerpoint/2010/main" Requires="p14">
+      <mc:AlternateContent xmlns:mc="http://schemas.openxmlformats.org/markup-compatibility/2006" xmlns:p14="http://schemas.microsoft.com/office/powerpoint/2010/main">
+        <mc:Choice Requires="p14">
           <p:contentPart p14:bwMode="auto" r:id="rId8">
             <p14:nvContentPartPr>
               <p14:cNvPr id="19" name="Ink 18">
@@ -14833,7 +14953,7 @@
             </p14:xfrm>
           </p:contentPart>
         </mc:Choice>
-        <mc:Fallback>
+        <mc:Fallback xmlns="">
           <p:pic>
             <p:nvPicPr>
               <p:cNvPr id="19" name="Ink 18">
@@ -15348,14 +15468,14 @@
           <a:noFill/>
         </p:spPr>
         <p:txBody>
-          <a:bodyPr wrap="square" rtlCol="0">
+          <a:bodyPr wrap="square" lIns="91440" tIns="45720" rIns="91440" bIns="45720" rtlCol="0" anchor="t">
             <a:spAutoFit/>
           </a:bodyPr>
           <a:lstStyle/>
           <a:p>
             <a:r>
               <a:rPr lang="en-US" dirty="0"/>
-              <a:t>We don’t! If you have motors that are linked together via gears, they’re known as “mechanically linked” motors, and we can use something called a “motor group”. (You can also use them if your wheels aren’t mechanically linked).</a:t>
+              <a:t>We don’t! If you have motors that are linked together via gears, they’re known as “mechanically linked” motors, and we can use something called a motor group (of course, you can also use one if your motors aren’t mechanically linked).</a:t>
             </a:r>
           </a:p>
         </p:txBody>
@@ -15390,8 +15510,8 @@
           </a:prstGeom>
         </p:spPr>
       </p:pic>
-      <mc:AlternateContent xmlns:mc="http://schemas.openxmlformats.org/markup-compatibility/2006">
-        <mc:Choice xmlns:p14="http://schemas.microsoft.com/office/powerpoint/2010/main" Requires="p14">
+      <mc:AlternateContent xmlns:mc="http://schemas.openxmlformats.org/markup-compatibility/2006" xmlns:p14="http://schemas.microsoft.com/office/powerpoint/2010/main">
+        <mc:Choice Requires="p14">
           <p:contentPart p14:bwMode="auto" r:id="rId3">
             <p14:nvContentPartPr>
               <p14:cNvPr id="14" name="Ink 13">
@@ -15410,7 +15530,7 @@
             </p14:xfrm>
           </p:contentPart>
         </mc:Choice>
-        <mc:Fallback>
+        <mc:Fallback xmlns="">
           <p:pic>
             <p:nvPicPr>
               <p:cNvPr id="14" name="Ink 13">
@@ -15711,8 +15831,8 @@
           </a:prstGeom>
         </p:spPr>
       </p:pic>
-      <mc:AlternateContent xmlns:mc="http://schemas.openxmlformats.org/markup-compatibility/2006">
-        <mc:Choice xmlns:p14="http://schemas.microsoft.com/office/powerpoint/2010/main" Requires="p14">
+      <mc:AlternateContent xmlns:mc="http://schemas.openxmlformats.org/markup-compatibility/2006" xmlns:p14="http://schemas.microsoft.com/office/powerpoint/2010/main">
+        <mc:Choice Requires="p14">
           <p:contentPart p14:bwMode="auto" r:id="rId5">
             <p14:nvContentPartPr>
               <p14:cNvPr id="11" name="Ink 10">
@@ -15731,7 +15851,7 @@
             </p14:xfrm>
           </p:contentPart>
         </mc:Choice>
-        <mc:Fallback>
+        <mc:Fallback xmlns="">
           <p:pic>
             <p:nvPicPr>
               <p:cNvPr id="11" name="Ink 10">
@@ -15762,8 +15882,8 @@
           </p:pic>
         </mc:Fallback>
       </mc:AlternateContent>
-      <mc:AlternateContent xmlns:mc="http://schemas.openxmlformats.org/markup-compatibility/2006">
-        <mc:Choice xmlns:p14="http://schemas.microsoft.com/office/powerpoint/2010/main" Requires="p14">
+      <mc:AlternateContent xmlns:mc="http://schemas.openxmlformats.org/markup-compatibility/2006" xmlns:p14="http://schemas.microsoft.com/office/powerpoint/2010/main">
+        <mc:Choice Requires="p14">
           <p:contentPart p14:bwMode="auto" r:id="rId7">
             <p14:nvContentPartPr>
               <p14:cNvPr id="12" name="Ink 11">
@@ -15782,7 +15902,7 @@
             </p14:xfrm>
           </p:contentPart>
         </mc:Choice>
-        <mc:Fallback>
+        <mc:Fallback xmlns="">
           <p:pic>
             <p:nvPicPr>
               <p:cNvPr id="12" name="Ink 11">
@@ -16272,8 +16392,8 @@
           </a:prstGeom>
         </p:spPr>
       </p:pic>
-      <mc:AlternateContent xmlns:mc="http://schemas.openxmlformats.org/markup-compatibility/2006">
-        <mc:Choice xmlns:p14="http://schemas.microsoft.com/office/powerpoint/2010/main" Requires="p14">
+      <mc:AlternateContent xmlns:mc="http://schemas.openxmlformats.org/markup-compatibility/2006" xmlns:p14="http://schemas.microsoft.com/office/powerpoint/2010/main">
+        <mc:Choice Requires="p14">
           <p:contentPart p14:bwMode="auto" r:id="rId3">
             <p14:nvContentPartPr>
               <p14:cNvPr id="9" name="Ink 8">
@@ -16292,7 +16412,7 @@
             </p14:xfrm>
           </p:contentPart>
         </mc:Choice>
-        <mc:Fallback>
+        <mc:Fallback xmlns="">
           <p:pic>
             <p:nvPicPr>
               <p:cNvPr id="9" name="Ink 8">
@@ -16323,8 +16443,8 @@
           </p:pic>
         </mc:Fallback>
       </mc:AlternateContent>
-      <mc:AlternateContent xmlns:mc="http://schemas.openxmlformats.org/markup-compatibility/2006">
-        <mc:Choice xmlns:p14="http://schemas.microsoft.com/office/powerpoint/2010/main" Requires="p14">
+      <mc:AlternateContent xmlns:mc="http://schemas.openxmlformats.org/markup-compatibility/2006" xmlns:p14="http://schemas.microsoft.com/office/powerpoint/2010/main">
+        <mc:Choice Requires="p14">
           <p:contentPart p14:bwMode="auto" r:id="rId5">
             <p14:nvContentPartPr>
               <p14:cNvPr id="10" name="Ink 9">
@@ -16343,7 +16463,7 @@
             </p14:xfrm>
           </p:contentPart>
         </mc:Choice>
-        <mc:Fallback>
+        <mc:Fallback xmlns="">
           <p:pic>
             <p:nvPicPr>
               <p:cNvPr id="10" name="Ink 9">
@@ -16374,8 +16494,8 @@
           </p:pic>
         </mc:Fallback>
       </mc:AlternateContent>
-      <mc:AlternateContent xmlns:mc="http://schemas.openxmlformats.org/markup-compatibility/2006">
-        <mc:Choice xmlns:p14="http://schemas.microsoft.com/office/powerpoint/2010/main" Requires="p14">
+      <mc:AlternateContent xmlns:mc="http://schemas.openxmlformats.org/markup-compatibility/2006" xmlns:p14="http://schemas.microsoft.com/office/powerpoint/2010/main">
+        <mc:Choice Requires="p14">
           <p:contentPart p14:bwMode="auto" r:id="rId7">
             <p14:nvContentPartPr>
               <p14:cNvPr id="11" name="Ink 10">
@@ -16394,7 +16514,7 @@
             </p14:xfrm>
           </p:contentPart>
         </mc:Choice>
-        <mc:Fallback>
+        <mc:Fallback xmlns="">
           <p:pic>
             <p:nvPicPr>
               <p:cNvPr id="11" name="Ink 10">
@@ -16460,8 +16580,8 @@
           </a:p>
         </p:txBody>
       </p:sp>
-      <mc:AlternateContent xmlns:mc="http://schemas.openxmlformats.org/markup-compatibility/2006">
-        <mc:Choice xmlns:p14="http://schemas.microsoft.com/office/powerpoint/2010/main" Requires="p14">
+      <mc:AlternateContent xmlns:mc="http://schemas.openxmlformats.org/markup-compatibility/2006" xmlns:p14="http://schemas.microsoft.com/office/powerpoint/2010/main">
+        <mc:Choice Requires="p14">
           <p:contentPart p14:bwMode="auto" r:id="rId9">
             <p14:nvContentPartPr>
               <p14:cNvPr id="18" name="Ink 17">
@@ -16480,7 +16600,7 @@
             </p14:xfrm>
           </p:contentPart>
         </mc:Choice>
-        <mc:Fallback>
+        <mc:Fallback xmlns="">
           <p:pic>
             <p:nvPicPr>
               <p:cNvPr id="18" name="Ink 17">
@@ -16511,8 +16631,8 @@
           </p:pic>
         </mc:Fallback>
       </mc:AlternateContent>
-      <mc:AlternateContent xmlns:mc="http://schemas.openxmlformats.org/markup-compatibility/2006">
-        <mc:Choice xmlns:p14="http://schemas.microsoft.com/office/powerpoint/2010/main" Requires="p14">
+      <mc:AlternateContent xmlns:mc="http://schemas.openxmlformats.org/markup-compatibility/2006" xmlns:p14="http://schemas.microsoft.com/office/powerpoint/2010/main">
+        <mc:Choice Requires="p14">
           <p:contentPart p14:bwMode="auto" r:id="rId11">
             <p14:nvContentPartPr>
               <p14:cNvPr id="24" name="Ink 23">
@@ -16531,7 +16651,7 @@
             </p14:xfrm>
           </p:contentPart>
         </mc:Choice>
-        <mc:Fallback>
+        <mc:Fallback xmlns="">
           <p:pic>
             <p:nvPicPr>
               <p:cNvPr id="24" name="Ink 23">
@@ -17102,8 +17222,8 @@
           </a:prstGeom>
         </p:spPr>
       </p:pic>
-      <mc:AlternateContent xmlns:mc="http://schemas.openxmlformats.org/markup-compatibility/2006">
-        <mc:Choice xmlns:p14="http://schemas.microsoft.com/office/powerpoint/2010/main" Requires="p14">
+      <mc:AlternateContent xmlns:mc="http://schemas.openxmlformats.org/markup-compatibility/2006" xmlns:p14="http://schemas.microsoft.com/office/powerpoint/2010/main">
+        <mc:Choice Requires="p14">
           <p:contentPart p14:bwMode="auto" r:id="rId3">
             <p14:nvContentPartPr>
               <p14:cNvPr id="17" name="Ink 16">
@@ -17122,7 +17242,7 @@
             </p14:xfrm>
           </p:contentPart>
         </mc:Choice>
-        <mc:Fallback>
+        <mc:Fallback xmlns="">
           <p:pic>
             <p:nvPicPr>
               <p:cNvPr id="17" name="Ink 16">
@@ -17505,7 +17625,7 @@
           <a:noFill/>
         </p:spPr>
         <p:txBody>
-          <a:bodyPr wrap="square" rtlCol="0">
+          <a:bodyPr wrap="square" lIns="91440" tIns="45720" rIns="91440" bIns="45720" rtlCol="0" anchor="t">
             <a:spAutoFit/>
           </a:bodyPr>
           <a:lstStyle/>
@@ -17535,7 +17655,7 @@
             </a:r>
             <a:r>
               <a:rPr lang="en-US" dirty="0">
-                <a:latin typeface="Consolas" panose="020B0609020204030204" pitchFamily="49" charset="0"/>
+                <a:latin typeface="Consolas"/>
               </a:rPr>
               <a:t>wait</a:t>
             </a:r>
@@ -17569,7 +17689,7 @@
             </a:r>
             <a:r>
               <a:rPr lang="en-US" dirty="0"/>
-              <a:t> before the limits of the VEX brain’s hardware become apparent.</a:t>
+              <a:t> before the limits of the VEX hardware become apparent.</a:t>
             </a:r>
           </a:p>
         </p:txBody>
@@ -17962,8 +18082,8 @@
           </a:prstGeom>
         </p:spPr>
       </p:pic>
-      <mc:AlternateContent xmlns:mc="http://schemas.openxmlformats.org/markup-compatibility/2006">
-        <mc:Choice xmlns:p14="http://schemas.microsoft.com/office/powerpoint/2010/main" Requires="p14">
+      <mc:AlternateContent xmlns:mc="http://schemas.openxmlformats.org/markup-compatibility/2006" xmlns:p14="http://schemas.microsoft.com/office/powerpoint/2010/main">
+        <mc:Choice Requires="p14">
           <p:contentPart p14:bwMode="auto" r:id="rId3">
             <p14:nvContentPartPr>
               <p14:cNvPr id="14" name="Ink 13">
@@ -17982,7 +18102,7 @@
             </p14:xfrm>
           </p:contentPart>
         </mc:Choice>
-        <mc:Fallback>
+        <mc:Fallback xmlns="">
           <p:pic>
             <p:nvPicPr>
               <p:cNvPr id="14" name="Ink 13">
@@ -18233,8 +18353,8 @@
           </a:prstGeom>
         </p:spPr>
       </p:pic>
-      <mc:AlternateContent xmlns:mc="http://schemas.openxmlformats.org/markup-compatibility/2006">
-        <mc:Choice xmlns:p14="http://schemas.microsoft.com/office/powerpoint/2010/main" Requires="p14">
+      <mc:AlternateContent xmlns:mc="http://schemas.openxmlformats.org/markup-compatibility/2006" xmlns:p14="http://schemas.microsoft.com/office/powerpoint/2010/main">
+        <mc:Choice Requires="p14">
           <p:contentPart p14:bwMode="auto" r:id="rId3">
             <p14:nvContentPartPr>
               <p14:cNvPr id="5" name="Ink 4">
@@ -18253,7 +18373,7 @@
             </p14:xfrm>
           </p:contentPart>
         </mc:Choice>
-        <mc:Fallback>
+        <mc:Fallback xmlns="">
           <p:pic>
             <p:nvPicPr>
               <p:cNvPr id="5" name="Ink 4">
@@ -19190,22 +19310,14 @@
         </p:nvSpPr>
         <p:spPr/>
         <p:txBody>
-          <a:bodyPr>
-            <a:normAutofit fontScale="85000" lnSpcReduction="20000"/>
+          <a:bodyPr vert="horz" lIns="91440" tIns="45720" rIns="91440" bIns="45720" rtlCol="0" anchor="t">
+            <a:normAutofit fontScale="92500" lnSpcReduction="10000"/>
           </a:bodyPr>
           <a:lstStyle/>
           <a:p>
             <a:r>
               <a:rPr lang="en-US" dirty="0"/>
-              <a:t>Make a function called “</a:t>
-            </a:r>
-            <a:r>
-              <a:rPr lang="en-US" dirty="0" err="1"/>
-              <a:t>MoveRobot</a:t>
-            </a:r>
-            <a:r>
-              <a:rPr lang="en-US" dirty="0"/>
-              <a:t>” that takes in the inputs from your joysticks and moves the motors.</a:t>
+              <a:t>Make a function that takes in the inputs from your joysticks and moves the motors.</a:t>
             </a:r>
           </a:p>
           <a:p>
@@ -19619,8 +19731,8 @@
           </a:prstGeom>
         </p:spPr>
       </p:pic>
-      <mc:AlternateContent xmlns:mc="http://schemas.openxmlformats.org/markup-compatibility/2006">
-        <mc:Choice xmlns:p14="http://schemas.microsoft.com/office/powerpoint/2010/main" Requires="p14">
+      <mc:AlternateContent xmlns:mc="http://schemas.openxmlformats.org/markup-compatibility/2006" xmlns:p14="http://schemas.microsoft.com/office/powerpoint/2010/main">
+        <mc:Choice Requires="p14">
           <p:contentPart p14:bwMode="auto" r:id="rId3">
             <p14:nvContentPartPr>
               <p14:cNvPr id="3" name="Ink 2">
@@ -19639,7 +19751,7 @@
             </p14:xfrm>
           </p:contentPart>
         </mc:Choice>
-        <mc:Fallback>
+        <mc:Fallback xmlns="">
           <p:pic>
             <p:nvPicPr>
               <p:cNvPr id="3" name="Ink 2">
@@ -19851,8 +19963,8 @@
           </a:prstGeom>
         </p:spPr>
       </p:pic>
-      <mc:AlternateContent xmlns:mc="http://schemas.openxmlformats.org/markup-compatibility/2006">
-        <mc:Choice xmlns:p14="http://schemas.microsoft.com/office/powerpoint/2010/main" Requires="p14">
+      <mc:AlternateContent xmlns:mc="http://schemas.openxmlformats.org/markup-compatibility/2006" xmlns:p14="http://schemas.microsoft.com/office/powerpoint/2010/main">
+        <mc:Choice Requires="p14">
           <p:contentPart p14:bwMode="auto" r:id="rId3">
             <p14:nvContentPartPr>
               <p14:cNvPr id="7" name="Ink 6">
@@ -19871,7 +19983,7 @@
             </p14:xfrm>
           </p:contentPart>
         </mc:Choice>
-        <mc:Fallback>
+        <mc:Fallback xmlns="">
           <p:pic>
             <p:nvPicPr>
               <p:cNvPr id="7" name="Ink 6">
@@ -19902,8 +20014,8 @@
           </p:pic>
         </mc:Fallback>
       </mc:AlternateContent>
-      <mc:AlternateContent xmlns:mc="http://schemas.openxmlformats.org/markup-compatibility/2006">
-        <mc:Choice xmlns:p14="http://schemas.microsoft.com/office/powerpoint/2010/main" Requires="p14">
+      <mc:AlternateContent xmlns:mc="http://schemas.openxmlformats.org/markup-compatibility/2006" xmlns:p14="http://schemas.microsoft.com/office/powerpoint/2010/main">
+        <mc:Choice Requires="p14">
           <p:contentPart p14:bwMode="auto" r:id="rId5">
             <p14:nvContentPartPr>
               <p14:cNvPr id="13" name="Ink 12">
@@ -19922,7 +20034,7 @@
             </p14:xfrm>
           </p:contentPart>
         </mc:Choice>
-        <mc:Fallback>
+        <mc:Fallback xmlns="">
           <p:pic>
             <p:nvPicPr>
               <p:cNvPr id="13" name="Ink 12">
@@ -20035,7 +20147,7 @@
         <p:spPr>
           <a:xfrm>
             <a:off x="6459721" y="5904052"/>
-            <a:ext cx="5503879" cy="646331"/>
+            <a:ext cx="4894738" cy="646331"/>
           </a:xfrm>
           <a:prstGeom prst="rect">
             <a:avLst/>
@@ -20043,20 +20155,20 @@
           <a:noFill/>
         </p:spPr>
         <p:txBody>
-          <a:bodyPr wrap="none" rtlCol="0">
+          <a:bodyPr wrap="none" lIns="91440" tIns="45720" rIns="91440" bIns="45720" rtlCol="0" anchor="t">
             <a:spAutoFit/>
           </a:bodyPr>
           <a:lstStyle/>
           <a:p>
             <a:r>
               <a:rPr lang="en-US" b="1" dirty="0"/>
-              <a:t>Use a recognizable name!</a:t>
+              <a:t>Use a descriptive name!</a:t>
             </a:r>
           </a:p>
           <a:p>
             <a:r>
               <a:rPr lang="en-US" dirty="0"/>
-              <a:t>Avoid things like “1”, “727G-code”, or “test-project”</a:t>
+              <a:t>Avoid things like “1”, “727G”, or “test-project”</a:t>
             </a:r>
           </a:p>
         </p:txBody>
@@ -20334,8 +20446,8 @@
           </a:prstGeom>
         </p:spPr>
       </p:pic>
-      <mc:AlternateContent xmlns:mc="http://schemas.openxmlformats.org/markup-compatibility/2006">
-        <mc:Choice xmlns:p14="http://schemas.microsoft.com/office/powerpoint/2010/main" Requires="p14">
+      <mc:AlternateContent xmlns:mc="http://schemas.openxmlformats.org/markup-compatibility/2006" xmlns:p14="http://schemas.microsoft.com/office/powerpoint/2010/main">
+        <mc:Choice Requires="p14">
           <p:contentPart p14:bwMode="auto" r:id="rId3">
             <p14:nvContentPartPr>
               <p14:cNvPr id="15" name="Ink 14">
@@ -20354,7 +20466,7 @@
             </p14:xfrm>
           </p:contentPart>
         </mc:Choice>
-        <mc:Fallback>
+        <mc:Fallback xmlns="">
           <p:pic>
             <p:nvPicPr>
               <p:cNvPr id="15" name="Ink 14">
@@ -20426,8 +20538,8 @@
           </a:p>
         </p:txBody>
       </p:sp>
-      <mc:AlternateContent xmlns:mc="http://schemas.openxmlformats.org/markup-compatibility/2006">
-        <mc:Choice xmlns:p14="http://schemas.microsoft.com/office/powerpoint/2010/main" Requires="p14">
+      <mc:AlternateContent xmlns:mc="http://schemas.openxmlformats.org/markup-compatibility/2006" xmlns:p14="http://schemas.microsoft.com/office/powerpoint/2010/main">
+        <mc:Choice Requires="p14">
           <p:contentPart p14:bwMode="auto" r:id="rId5">
             <p14:nvContentPartPr>
               <p14:cNvPr id="18" name="Ink 17">
@@ -20446,7 +20558,7 @@
             </p14:xfrm>
           </p:contentPart>
         </mc:Choice>
-        <mc:Fallback>
+        <mc:Fallback xmlns="">
           <p:pic>
             <p:nvPicPr>
               <p:cNvPr id="18" name="Ink 17">
@@ -20518,8 +20630,8 @@
           </a:p>
         </p:txBody>
       </p:sp>
-      <mc:AlternateContent xmlns:mc="http://schemas.openxmlformats.org/markup-compatibility/2006">
-        <mc:Choice xmlns:p14="http://schemas.microsoft.com/office/powerpoint/2010/main" Requires="p14">
+      <mc:AlternateContent xmlns:mc="http://schemas.openxmlformats.org/markup-compatibility/2006" xmlns:p14="http://schemas.microsoft.com/office/powerpoint/2010/main">
+        <mc:Choice Requires="p14">
           <p:contentPart p14:bwMode="auto" r:id="rId7">
             <p14:nvContentPartPr>
               <p14:cNvPr id="21" name="Ink 20">
@@ -20538,7 +20650,7 @@
             </p14:xfrm>
           </p:contentPart>
         </mc:Choice>
-        <mc:Fallback>
+        <mc:Fallback xmlns="">
           <p:pic>
             <p:nvPicPr>
               <p:cNvPr id="21" name="Ink 20">
@@ -20610,8 +20722,8 @@
           </a:p>
         </p:txBody>
       </p:sp>
-      <mc:AlternateContent xmlns:mc="http://schemas.openxmlformats.org/markup-compatibility/2006">
-        <mc:Choice xmlns:p14="http://schemas.microsoft.com/office/powerpoint/2010/main" Requires="p14">
+      <mc:AlternateContent xmlns:mc="http://schemas.openxmlformats.org/markup-compatibility/2006" xmlns:p14="http://schemas.microsoft.com/office/powerpoint/2010/main">
+        <mc:Choice Requires="p14">
           <p:contentPart p14:bwMode="auto" r:id="rId9">
             <p14:nvContentPartPr>
               <p14:cNvPr id="24" name="Ink 23">
@@ -20630,7 +20742,7 @@
             </p14:xfrm>
           </p:contentPart>
         </mc:Choice>
-        <mc:Fallback>
+        <mc:Fallback xmlns="">
           <p:pic>
             <p:nvPicPr>
               <p:cNvPr id="24" name="Ink 23">
@@ -20702,8 +20814,8 @@
           </a:p>
         </p:txBody>
       </p:sp>
-      <mc:AlternateContent xmlns:mc="http://schemas.openxmlformats.org/markup-compatibility/2006">
-        <mc:Choice xmlns:p14="http://schemas.microsoft.com/office/powerpoint/2010/main" Requires="p14">
+      <mc:AlternateContent xmlns:mc="http://schemas.openxmlformats.org/markup-compatibility/2006" xmlns:p14="http://schemas.microsoft.com/office/powerpoint/2010/main">
+        <mc:Choice Requires="p14">
           <p:contentPart p14:bwMode="auto" r:id="rId11">
             <p14:nvContentPartPr>
               <p14:cNvPr id="30" name="Ink 29">
@@ -20722,7 +20834,7 @@
             </p14:xfrm>
           </p:contentPart>
         </mc:Choice>
-        <mc:Fallback>
+        <mc:Fallback xmlns="">
           <p:pic>
             <p:nvPicPr>
               <p:cNvPr id="30" name="Ink 29">
@@ -20794,8 +20906,8 @@
           </a:p>
         </p:txBody>
       </p:sp>
-      <mc:AlternateContent xmlns:mc="http://schemas.openxmlformats.org/markup-compatibility/2006">
-        <mc:Choice xmlns:p14="http://schemas.microsoft.com/office/powerpoint/2010/main" Requires="p14">
+      <mc:AlternateContent xmlns:mc="http://schemas.openxmlformats.org/markup-compatibility/2006" xmlns:p14="http://schemas.microsoft.com/office/powerpoint/2010/main">
+        <mc:Choice Requires="p14">
           <p:contentPart p14:bwMode="auto" r:id="rId13">
             <p14:nvContentPartPr>
               <p14:cNvPr id="32" name="Ink 31">
@@ -20814,7 +20926,7 @@
             </p14:xfrm>
           </p:contentPart>
         </mc:Choice>
-        <mc:Fallback>
+        <mc:Fallback xmlns="">
           <p:pic>
             <p:nvPicPr>
               <p:cNvPr id="32" name="Ink 31">
@@ -20906,8 +21018,8 @@
             <a:chExt cx="286920" cy="613440"/>
           </a:xfrm>
         </p:grpSpPr>
-        <mc:AlternateContent xmlns:mc="http://schemas.openxmlformats.org/markup-compatibility/2006">
-          <mc:Choice xmlns:p14="http://schemas.microsoft.com/office/powerpoint/2010/main" Requires="p14">
+        <mc:AlternateContent xmlns:mc="http://schemas.openxmlformats.org/markup-compatibility/2006" xmlns:p14="http://schemas.microsoft.com/office/powerpoint/2010/main">
+          <mc:Choice Requires="p14">
             <p:contentPart p14:bwMode="auto" r:id="rId15">
               <p14:nvContentPartPr>
                 <p14:cNvPr id="38" name="Ink 37">
@@ -20926,7 +21038,7 @@
               </p14:xfrm>
             </p:contentPart>
           </mc:Choice>
-          <mc:Fallback>
+          <mc:Fallback xmlns="">
             <p:pic>
               <p:nvPicPr>
                 <p:cNvPr id="38" name="Ink 37">
@@ -20957,8 +21069,8 @@
             </p:pic>
           </mc:Fallback>
         </mc:AlternateContent>
-        <mc:AlternateContent xmlns:mc="http://schemas.openxmlformats.org/markup-compatibility/2006">
-          <mc:Choice xmlns:p14="http://schemas.microsoft.com/office/powerpoint/2010/main" Requires="p14">
+        <mc:AlternateContent xmlns:mc="http://schemas.openxmlformats.org/markup-compatibility/2006" xmlns:p14="http://schemas.microsoft.com/office/powerpoint/2010/main">
+          <mc:Choice Requires="p14">
             <p:contentPart p14:bwMode="auto" r:id="rId17">
               <p14:nvContentPartPr>
                 <p14:cNvPr id="39" name="Ink 38">
@@ -20977,7 +21089,7 @@
               </p14:xfrm>
             </p:contentPart>
           </mc:Choice>
-          <mc:Fallback>
+          <mc:Fallback xmlns="">
             <p:pic>
               <p:nvPicPr>
                 <p:cNvPr id="39" name="Ink 38">
@@ -21787,8 +21899,8 @@
           </a:prstGeom>
         </p:spPr>
       </p:pic>
-      <mc:AlternateContent xmlns:mc="http://schemas.openxmlformats.org/markup-compatibility/2006">
-        <mc:Choice xmlns:p14="http://schemas.microsoft.com/office/powerpoint/2010/main" Requires="p14">
+      <mc:AlternateContent xmlns:mc="http://schemas.openxmlformats.org/markup-compatibility/2006" xmlns:p14="http://schemas.microsoft.com/office/powerpoint/2010/main">
+        <mc:Choice Requires="p14">
           <p:contentPart p14:bwMode="auto" r:id="rId3">
             <p14:nvContentPartPr>
               <p14:cNvPr id="18" name="Ink 17">
@@ -21807,7 +21919,7 @@
             </p14:xfrm>
           </p:contentPart>
         </mc:Choice>
-        <mc:Fallback>
+        <mc:Fallback xmlns="">
           <p:pic>
             <p:nvPicPr>
               <p:cNvPr id="18" name="Ink 17">
@@ -21838,8 +21950,8 @@
           </p:pic>
         </mc:Fallback>
       </mc:AlternateContent>
-      <mc:AlternateContent xmlns:mc="http://schemas.openxmlformats.org/markup-compatibility/2006">
-        <mc:Choice xmlns:p14="http://schemas.microsoft.com/office/powerpoint/2010/main" Requires="p14">
+      <mc:AlternateContent xmlns:mc="http://schemas.openxmlformats.org/markup-compatibility/2006" xmlns:p14="http://schemas.microsoft.com/office/powerpoint/2010/main">
+        <mc:Choice Requires="p14">
           <p:contentPart p14:bwMode="auto" r:id="rId5">
             <p14:nvContentPartPr>
               <p14:cNvPr id="23" name="Ink 22">
@@ -21858,7 +21970,7 @@
             </p14:xfrm>
           </p:contentPart>
         </mc:Choice>
-        <mc:Fallback>
+        <mc:Fallback xmlns="">
           <p:pic>
             <p:nvPicPr>
               <p:cNvPr id="23" name="Ink 22">
@@ -21972,8 +22084,8 @@
           </a:p>
         </p:txBody>
       </p:sp>
-      <mc:AlternateContent xmlns:mc="http://schemas.openxmlformats.org/markup-compatibility/2006">
-        <mc:Choice xmlns:p14="http://schemas.microsoft.com/office/powerpoint/2010/main" Requires="p14">
+      <mc:AlternateContent xmlns:mc="http://schemas.openxmlformats.org/markup-compatibility/2006" xmlns:p14="http://schemas.microsoft.com/office/powerpoint/2010/main">
+        <mc:Choice Requires="p14">
           <p:contentPart p14:bwMode="auto" r:id="rId7">
             <p14:nvContentPartPr>
               <p14:cNvPr id="27" name="Ink 26">
@@ -21992,7 +22104,7 @@
             </p14:xfrm>
           </p:contentPart>
         </mc:Choice>
-        <mc:Fallback>
+        <mc:Fallback xmlns="">
           <p:pic>
             <p:nvPicPr>
               <p:cNvPr id="27" name="Ink 26">
@@ -22423,8 +22535,8 @@
           </a:prstGeom>
         </p:spPr>
       </p:pic>
-      <mc:AlternateContent xmlns:mc="http://schemas.openxmlformats.org/markup-compatibility/2006">
-        <mc:Choice xmlns:p14="http://schemas.microsoft.com/office/powerpoint/2010/main" Requires="p14">
+      <mc:AlternateContent xmlns:mc="http://schemas.openxmlformats.org/markup-compatibility/2006" xmlns:p14="http://schemas.microsoft.com/office/powerpoint/2010/main">
+        <mc:Choice Requires="p14">
           <p:contentPart p14:bwMode="auto" r:id="rId3">
             <p14:nvContentPartPr>
               <p14:cNvPr id="8" name="Ink 7">
@@ -22443,7 +22555,7 @@
             </p14:xfrm>
           </p:contentPart>
         </mc:Choice>
-        <mc:Fallback>
+        <mc:Fallback xmlns="">
           <p:pic>
             <p:nvPicPr>
               <p:cNvPr id="8" name="Ink 7">
@@ -22474,8 +22586,8 @@
           </p:pic>
         </mc:Fallback>
       </mc:AlternateContent>
-      <mc:AlternateContent xmlns:mc="http://schemas.openxmlformats.org/markup-compatibility/2006">
-        <mc:Choice xmlns:p14="http://schemas.microsoft.com/office/powerpoint/2010/main" Requires="p14">
+      <mc:AlternateContent xmlns:mc="http://schemas.openxmlformats.org/markup-compatibility/2006" xmlns:p14="http://schemas.microsoft.com/office/powerpoint/2010/main">
+        <mc:Choice Requires="p14">
           <p:contentPart p14:bwMode="auto" r:id="rId5">
             <p14:nvContentPartPr>
               <p14:cNvPr id="9" name="Ink 8">
@@ -22494,7 +22606,7 @@
             </p14:xfrm>
           </p:contentPart>
         </mc:Choice>
-        <mc:Fallback>
+        <mc:Fallback xmlns="">
           <p:pic>
             <p:nvPicPr>
               <p:cNvPr id="9" name="Ink 8">
@@ -22545,8 +22657,8 @@
             <a:chExt cx="334440" cy="368640"/>
           </a:xfrm>
         </p:grpSpPr>
-        <mc:AlternateContent xmlns:mc="http://schemas.openxmlformats.org/markup-compatibility/2006">
-          <mc:Choice xmlns:p14="http://schemas.microsoft.com/office/powerpoint/2010/main" Requires="p14">
+        <mc:AlternateContent xmlns:mc="http://schemas.openxmlformats.org/markup-compatibility/2006" xmlns:p14="http://schemas.microsoft.com/office/powerpoint/2010/main">
+          <mc:Choice Requires="p14">
             <p:contentPart p14:bwMode="auto" r:id="rId7">
               <p14:nvContentPartPr>
                 <p14:cNvPr id="14" name="Ink 13">
@@ -22565,7 +22677,7 @@
               </p14:xfrm>
             </p:contentPart>
           </mc:Choice>
-          <mc:Fallback>
+          <mc:Fallback xmlns="">
             <p:pic>
               <p:nvPicPr>
                 <p:cNvPr id="14" name="Ink 13">
@@ -22596,8 +22708,8 @@
             </p:pic>
           </mc:Fallback>
         </mc:AlternateContent>
-        <mc:AlternateContent xmlns:mc="http://schemas.openxmlformats.org/markup-compatibility/2006">
-          <mc:Choice xmlns:p14="http://schemas.microsoft.com/office/powerpoint/2010/main" Requires="p14">
+        <mc:AlternateContent xmlns:mc="http://schemas.openxmlformats.org/markup-compatibility/2006" xmlns:p14="http://schemas.microsoft.com/office/powerpoint/2010/main">
+          <mc:Choice Requires="p14">
             <p:contentPart p14:bwMode="auto" r:id="rId9">
               <p14:nvContentPartPr>
                 <p14:cNvPr id="15" name="Ink 14">
@@ -22616,7 +22728,7 @@
               </p14:xfrm>
             </p:contentPart>
           </mc:Choice>
-          <mc:Fallback>
+          <mc:Fallback xmlns="">
             <p:pic>
               <p:nvPicPr>
                 <p:cNvPr id="15" name="Ink 14">
@@ -22647,8 +22759,8 @@
             </p:pic>
           </mc:Fallback>
         </mc:AlternateContent>
-        <mc:AlternateContent xmlns:mc="http://schemas.openxmlformats.org/markup-compatibility/2006">
-          <mc:Choice xmlns:p14="http://schemas.microsoft.com/office/powerpoint/2010/main" Requires="p14">
+        <mc:AlternateContent xmlns:mc="http://schemas.openxmlformats.org/markup-compatibility/2006" xmlns:p14="http://schemas.microsoft.com/office/powerpoint/2010/main">
+          <mc:Choice Requires="p14">
             <p:contentPart p14:bwMode="auto" r:id="rId11">
               <p14:nvContentPartPr>
                 <p14:cNvPr id="16" name="Ink 15">
@@ -22667,7 +22779,7 @@
               </p14:xfrm>
             </p:contentPart>
           </mc:Choice>
-          <mc:Fallback>
+          <mc:Fallback xmlns="">
             <p:pic>
               <p:nvPicPr>
                 <p:cNvPr id="16" name="Ink 15">
@@ -23632,21 +23744,21 @@
 </file>
 
 <file path=customXml/item1.xml><?xml version="1.0" encoding="utf-8"?>
+<?mso-contentType ?>
+<FormTemplates xmlns="http://schemas.microsoft.com/sharepoint/v3/contenttype/forms">
+  <Display>DocumentLibraryForm</Display>
+  <Edit>DocumentLibraryForm</Edit>
+  <New>DocumentLibraryForm</New>
+</FormTemplates>
+</file>
+
+<file path=customXml/item2.xml><?xml version="1.0" encoding="utf-8"?>
 <p:properties xmlns:p="http://schemas.microsoft.com/office/2006/metadata/properties" xmlns:xsi="http://www.w3.org/2001/XMLSchema-instance" xmlns:pc="http://schemas.microsoft.com/office/infopath/2007/PartnerControls">
   <documentManagement>
     <Status xmlns="71af3243-3dd4-4a8d-8c0d-dd76da1f02a5">Not started</Status>
     <MediaServiceKeyPoints xmlns="71af3243-3dd4-4a8d-8c0d-dd76da1f02a5" xsi:nil="true"/>
   </documentManagement>
 </p:properties>
-</file>
-
-<file path=customXml/item2.xml><?xml version="1.0" encoding="utf-8"?>
-<?mso-contentType ?>
-<FormTemplates xmlns="http://schemas.microsoft.com/sharepoint/v3/contenttype/forms">
-  <Display>DocumentLibraryForm</Display>
-  <Edit>DocumentLibraryForm</Edit>
-  <New>DocumentLibraryForm</New>
-</FormTemplates>
 </file>
 
 <file path=customXml/item3.xml><?xml version="1.0" encoding="utf-8"?>
@@ -23871,19 +23983,19 @@
 </file>
 
 <file path=customXml/itemProps1.xml><?xml version="1.0" encoding="utf-8"?>
+<ds:datastoreItem xmlns:ds="http://schemas.openxmlformats.org/officeDocument/2006/customXml" ds:itemID="{1A449C04-64B3-4403-94B7-8D2284C38D1B}">
+  <ds:schemaRefs>
+    <ds:schemaRef ds:uri="http://schemas.microsoft.com/sharepoint/v3/contenttype/forms"/>
+  </ds:schemaRefs>
+</ds:datastoreItem>
+</file>
+
+<file path=customXml/itemProps2.xml><?xml version="1.0" encoding="utf-8"?>
 <ds:datastoreItem xmlns:ds="http://schemas.openxmlformats.org/officeDocument/2006/customXml" ds:itemID="{FBDEF148-1770-458F-8F5B-C3D0A278AA97}">
   <ds:schemaRefs>
     <ds:schemaRef ds:uri="http://schemas.microsoft.com/office/2006/metadata/properties"/>
     <ds:schemaRef ds:uri="http://schemas.microsoft.com/office/infopath/2007/PartnerControls"/>
     <ds:schemaRef ds:uri="71af3243-3dd4-4a8d-8c0d-dd76da1f02a5"/>
-  </ds:schemaRefs>
-</ds:datastoreItem>
-</file>
-
-<file path=customXml/itemProps2.xml><?xml version="1.0" encoding="utf-8"?>
-<ds:datastoreItem xmlns:ds="http://schemas.openxmlformats.org/officeDocument/2006/customXml" ds:itemID="{1A449C04-64B3-4403-94B7-8D2284C38D1B}">
-  <ds:schemaRefs>
-    <ds:schemaRef ds:uri="http://schemas.microsoft.com/sharepoint/v3/contenttype/forms"/>
   </ds:schemaRefs>
 </ds:datastoreItem>
 </file>
